--- a/mobitec.pptx
+++ b/mobitec.pptx
@@ -266,7 +266,7 @@
           <a:p>
             <a:fld id="{7443765C-F509-498F-9D15-5CBB97B2538C}" type="datetimeFigureOut">
               <a:rPr lang="es-AR" smtClean="0"/>
-              <a:t>27/11/2023</a:t>
+              <a:t>28/11/2023</a:t>
             </a:fld>
             <a:endParaRPr lang="es-AR"/>
           </a:p>
@@ -466,7 +466,7 @@
           <a:p>
             <a:fld id="{7443765C-F509-498F-9D15-5CBB97B2538C}" type="datetimeFigureOut">
               <a:rPr lang="es-AR" smtClean="0"/>
-              <a:t>27/11/2023</a:t>
+              <a:t>28/11/2023</a:t>
             </a:fld>
             <a:endParaRPr lang="es-AR"/>
           </a:p>
@@ -676,7 +676,7 @@
           <a:p>
             <a:fld id="{7443765C-F509-498F-9D15-5CBB97B2538C}" type="datetimeFigureOut">
               <a:rPr lang="es-AR" smtClean="0"/>
-              <a:t>27/11/2023</a:t>
+              <a:t>28/11/2023</a:t>
             </a:fld>
             <a:endParaRPr lang="es-AR"/>
           </a:p>
@@ -876,7 +876,7 @@
           <a:p>
             <a:fld id="{7443765C-F509-498F-9D15-5CBB97B2538C}" type="datetimeFigureOut">
               <a:rPr lang="es-AR" smtClean="0"/>
-              <a:t>27/11/2023</a:t>
+              <a:t>28/11/2023</a:t>
             </a:fld>
             <a:endParaRPr lang="es-AR"/>
           </a:p>
@@ -1152,7 +1152,7 @@
           <a:p>
             <a:fld id="{7443765C-F509-498F-9D15-5CBB97B2538C}" type="datetimeFigureOut">
               <a:rPr lang="es-AR" smtClean="0"/>
-              <a:t>27/11/2023</a:t>
+              <a:t>28/11/2023</a:t>
             </a:fld>
             <a:endParaRPr lang="es-AR"/>
           </a:p>
@@ -1420,7 +1420,7 @@
           <a:p>
             <a:fld id="{7443765C-F509-498F-9D15-5CBB97B2538C}" type="datetimeFigureOut">
               <a:rPr lang="es-AR" smtClean="0"/>
-              <a:t>27/11/2023</a:t>
+              <a:t>28/11/2023</a:t>
             </a:fld>
             <a:endParaRPr lang="es-AR"/>
           </a:p>
@@ -1835,7 +1835,7 @@
           <a:p>
             <a:fld id="{7443765C-F509-498F-9D15-5CBB97B2538C}" type="datetimeFigureOut">
               <a:rPr lang="es-AR" smtClean="0"/>
-              <a:t>27/11/2023</a:t>
+              <a:t>28/11/2023</a:t>
             </a:fld>
             <a:endParaRPr lang="es-AR"/>
           </a:p>
@@ -1977,7 +1977,7 @@
           <a:p>
             <a:fld id="{7443765C-F509-498F-9D15-5CBB97B2538C}" type="datetimeFigureOut">
               <a:rPr lang="es-AR" smtClean="0"/>
-              <a:t>27/11/2023</a:t>
+              <a:t>28/11/2023</a:t>
             </a:fld>
             <a:endParaRPr lang="es-AR"/>
           </a:p>
@@ -2090,7 +2090,7 @@
           <a:p>
             <a:fld id="{7443765C-F509-498F-9D15-5CBB97B2538C}" type="datetimeFigureOut">
               <a:rPr lang="es-AR" smtClean="0"/>
-              <a:t>27/11/2023</a:t>
+              <a:t>28/11/2023</a:t>
             </a:fld>
             <a:endParaRPr lang="es-AR"/>
           </a:p>
@@ -2403,7 +2403,7 @@
           <a:p>
             <a:fld id="{7443765C-F509-498F-9D15-5CBB97B2538C}" type="datetimeFigureOut">
               <a:rPr lang="es-AR" smtClean="0"/>
-              <a:t>27/11/2023</a:t>
+              <a:t>28/11/2023</a:t>
             </a:fld>
             <a:endParaRPr lang="es-AR"/>
           </a:p>
@@ -2692,7 +2692,7 @@
           <a:p>
             <a:fld id="{7443765C-F509-498F-9D15-5CBB97B2538C}" type="datetimeFigureOut">
               <a:rPr lang="es-AR" smtClean="0"/>
-              <a:t>27/11/2023</a:t>
+              <a:t>28/11/2023</a:t>
             </a:fld>
             <a:endParaRPr lang="es-AR"/>
           </a:p>
@@ -2935,7 +2935,7 @@
           <a:p>
             <a:fld id="{7443765C-F509-498F-9D15-5CBB97B2538C}" type="datetimeFigureOut">
               <a:rPr lang="es-AR" smtClean="0"/>
-              <a:t>27/11/2023</a:t>
+              <a:t>28/11/2023</a:t>
             </a:fld>
             <a:endParaRPr lang="es-AR"/>
           </a:p>
@@ -3824,38 +3824,6 @@
           <a:chExt cx="0" cy="0"/>
         </a:xfrm>
       </p:grpSpPr>
-      <p:sp>
-        <p:nvSpPr>
-          <p:cNvPr id="2" name="Título 1">
-            <a:extLst>
-              <a:ext uri="{FF2B5EF4-FFF2-40B4-BE49-F238E27FC236}">
-                <a16:creationId xmlns:a16="http://schemas.microsoft.com/office/drawing/2014/main" id="{7E00665D-40A2-4BFC-9AF0-460409903BDC}"/>
-              </a:ext>
-            </a:extLst>
-          </p:cNvPr>
-          <p:cNvSpPr>
-            <a:spLocks noGrp="1"/>
-          </p:cNvSpPr>
-          <p:nvPr>
-            <p:ph type="title"/>
-          </p:nvPr>
-        </p:nvSpPr>
-        <p:spPr/>
-        <p:txBody>
-          <a:bodyPr>
-            <a:normAutofit/>
-          </a:bodyPr>
-          <a:lstStyle/>
-          <a:p>
-            <a:pPr algn="ctr"/>
-            <a:r>
-              <a:rPr lang="es-ES" sz="2800" dirty="0"/>
-              <a:t>Un sitio con diseño minimalista, que sea llamativo por sus colores</a:t>
-            </a:r>
-            <a:endParaRPr lang="es-AR" sz="2800" dirty="0"/>
-          </a:p>
-        </p:txBody>
-      </p:sp>
       <p:pic>
         <p:nvPicPr>
           <p:cNvPr id="5" name="Imagen 4">
@@ -3878,7 +3846,7 @@
         </p:blipFill>
         <p:spPr>
           <a:xfrm>
-            <a:off x="838200" y="2139696"/>
+            <a:off x="335280" y="274320"/>
             <a:ext cx="5054975" cy="2852928"/>
           </a:xfrm>
           <a:prstGeom prst="rect">
@@ -3908,8 +3876,68 @@
         </p:blipFill>
         <p:spPr>
           <a:xfrm>
-            <a:off x="6096000" y="2473452"/>
-            <a:ext cx="5251947" cy="2185416"/>
+            <a:off x="5769735" y="429768"/>
+            <a:ext cx="6086985" cy="2532888"/>
+          </a:xfrm>
+          <a:prstGeom prst="rect">
+            <a:avLst/>
+          </a:prstGeom>
+        </p:spPr>
+      </p:pic>
+      <p:pic>
+        <p:nvPicPr>
+          <p:cNvPr id="4" name="Imagen 3">
+            <a:extLst>
+              <a:ext uri="{FF2B5EF4-FFF2-40B4-BE49-F238E27FC236}">
+                <a16:creationId xmlns:a16="http://schemas.microsoft.com/office/drawing/2014/main" id="{681896C3-2319-430D-91A5-C1754CF630E6}"/>
+              </a:ext>
+            </a:extLst>
+          </p:cNvPr>
+          <p:cNvPicPr>
+            <a:picLocks noChangeAspect="1"/>
+          </p:cNvPicPr>
+          <p:nvPr/>
+        </p:nvPicPr>
+        <p:blipFill>
+          <a:blip r:embed="rId4"/>
+          <a:stretch>
+            <a:fillRect/>
+          </a:stretch>
+        </p:blipFill>
+        <p:spPr>
+          <a:xfrm>
+            <a:off x="335279" y="3429000"/>
+            <a:ext cx="5054975" cy="2756165"/>
+          </a:xfrm>
+          <a:prstGeom prst="rect">
+            <a:avLst/>
+          </a:prstGeom>
+        </p:spPr>
+      </p:pic>
+      <p:pic>
+        <p:nvPicPr>
+          <p:cNvPr id="8" name="Imagen 7">
+            <a:extLst>
+              <a:ext uri="{FF2B5EF4-FFF2-40B4-BE49-F238E27FC236}">
+                <a16:creationId xmlns:a16="http://schemas.microsoft.com/office/drawing/2014/main" id="{F53853E2-CDE8-487F-BA9F-DC4995172265}"/>
+              </a:ext>
+            </a:extLst>
+          </p:cNvPr>
+          <p:cNvPicPr>
+            <a:picLocks noChangeAspect="1"/>
+          </p:cNvPicPr>
+          <p:nvPr/>
+        </p:nvPicPr>
+        <p:blipFill>
+          <a:blip r:embed="rId5"/>
+          <a:stretch>
+            <a:fillRect/>
+          </a:stretch>
+        </p:blipFill>
+        <p:spPr>
+          <a:xfrm>
+            <a:off x="6162927" y="3429000"/>
+            <a:ext cx="5308544" cy="2999232"/>
           </a:xfrm>
           <a:prstGeom prst="rect">
             <a:avLst/>
@@ -4042,10 +4070,10 @@
       </p:pic>
       <p:pic>
         <p:nvPicPr>
-          <p:cNvPr id="9" name="Imagen 8">
-            <a:extLst>
-              <a:ext uri="{FF2B5EF4-FFF2-40B4-BE49-F238E27FC236}">
-                <a16:creationId xmlns:a16="http://schemas.microsoft.com/office/drawing/2014/main" id="{D8B9B23C-71FF-40C5-A945-A3A2C46FE435}"/>
+          <p:cNvPr id="4" name="Imagen 3">
+            <a:extLst>
+              <a:ext uri="{FF2B5EF4-FFF2-40B4-BE49-F238E27FC236}">
+                <a16:creationId xmlns:a16="http://schemas.microsoft.com/office/drawing/2014/main" id="{F63D5175-F238-4752-B84E-4DA0068186DD}"/>
               </a:ext>
             </a:extLst>
           </p:cNvPr>
@@ -4062,38 +4090,8 @@
         </p:blipFill>
         <p:spPr>
           <a:xfrm>
-            <a:off x="5845706" y="1690686"/>
-            <a:ext cx="2215573" cy="4571305"/>
-          </a:xfrm>
-          <a:prstGeom prst="rect">
-            <a:avLst/>
-          </a:prstGeom>
-        </p:spPr>
-      </p:pic>
-      <p:pic>
-        <p:nvPicPr>
-          <p:cNvPr id="11" name="Imagen 10">
-            <a:extLst>
-              <a:ext uri="{FF2B5EF4-FFF2-40B4-BE49-F238E27FC236}">
-                <a16:creationId xmlns:a16="http://schemas.microsoft.com/office/drawing/2014/main" id="{45FA0EA9-6F86-47C5-B0F4-8652C5DBDBFB}"/>
-              </a:ext>
-            </a:extLst>
-          </p:cNvPr>
-          <p:cNvPicPr>
-            <a:picLocks noChangeAspect="1"/>
-          </p:cNvPicPr>
-          <p:nvPr/>
-        </p:nvPicPr>
-        <p:blipFill>
-          <a:blip r:embed="rId5"/>
-          <a:stretch>
-            <a:fillRect/>
-          </a:stretch>
-        </p:blipFill>
-        <p:spPr>
-          <a:xfrm>
-            <a:off x="8306457" y="1690685"/>
-            <a:ext cx="2210183" cy="4571306"/>
+            <a:off x="7027102" y="1690687"/>
+            <a:ext cx="3278107" cy="4571305"/>
           </a:xfrm>
           <a:prstGeom prst="rect">
             <a:avLst/>
